--- a/figures/full_model_diagram_trib_deteff.pptx
+++ b/figures/full_model_diagram_trib_deteff.pptx
@@ -243,7 +243,7 @@
           <a:p>
             <a:fld id="{5CB7705F-197A-364B-B966-A3D2D808BF85}" type="datetimeFigureOut">
               <a:rPr lang="en-US" smtClean="0"/>
-              <a:t>11/1/22</a:t>
+              <a:t>11/6/22</a:t>
             </a:fld>
             <a:endParaRPr lang="en-US"/>
           </a:p>
@@ -413,7 +413,7 @@
           <a:p>
             <a:fld id="{5CB7705F-197A-364B-B966-A3D2D808BF85}" type="datetimeFigureOut">
               <a:rPr lang="en-US" smtClean="0"/>
-              <a:t>11/1/22</a:t>
+              <a:t>11/6/22</a:t>
             </a:fld>
             <a:endParaRPr lang="en-US"/>
           </a:p>
@@ -593,7 +593,7 @@
           <a:p>
             <a:fld id="{5CB7705F-197A-364B-B966-A3D2D808BF85}" type="datetimeFigureOut">
               <a:rPr lang="en-US" smtClean="0"/>
-              <a:t>11/1/22</a:t>
+              <a:t>11/6/22</a:t>
             </a:fld>
             <a:endParaRPr lang="en-US"/>
           </a:p>
@@ -763,7 +763,7 @@
           <a:p>
             <a:fld id="{5CB7705F-197A-364B-B966-A3D2D808BF85}" type="datetimeFigureOut">
               <a:rPr lang="en-US" smtClean="0"/>
-              <a:t>11/1/22</a:t>
+              <a:t>11/6/22</a:t>
             </a:fld>
             <a:endParaRPr lang="en-US"/>
           </a:p>
@@ -1009,7 +1009,7 @@
           <a:p>
             <a:fld id="{5CB7705F-197A-364B-B966-A3D2D808BF85}" type="datetimeFigureOut">
               <a:rPr lang="en-US" smtClean="0"/>
-              <a:t>11/1/22</a:t>
+              <a:t>11/6/22</a:t>
             </a:fld>
             <a:endParaRPr lang="en-US"/>
           </a:p>
@@ -1241,7 +1241,7 @@
           <a:p>
             <a:fld id="{5CB7705F-197A-364B-B966-A3D2D808BF85}" type="datetimeFigureOut">
               <a:rPr lang="en-US" smtClean="0"/>
-              <a:t>11/1/22</a:t>
+              <a:t>11/6/22</a:t>
             </a:fld>
             <a:endParaRPr lang="en-US"/>
           </a:p>
@@ -1608,7 +1608,7 @@
           <a:p>
             <a:fld id="{5CB7705F-197A-364B-B966-A3D2D808BF85}" type="datetimeFigureOut">
               <a:rPr lang="en-US" smtClean="0"/>
-              <a:t>11/1/22</a:t>
+              <a:t>11/6/22</a:t>
             </a:fld>
             <a:endParaRPr lang="en-US"/>
           </a:p>
@@ -1726,7 +1726,7 @@
           <a:p>
             <a:fld id="{5CB7705F-197A-364B-B966-A3D2D808BF85}" type="datetimeFigureOut">
               <a:rPr lang="en-US" smtClean="0"/>
-              <a:t>11/1/22</a:t>
+              <a:t>11/6/22</a:t>
             </a:fld>
             <a:endParaRPr lang="en-US"/>
           </a:p>
@@ -1821,7 +1821,7 @@
           <a:p>
             <a:fld id="{5CB7705F-197A-364B-B966-A3D2D808BF85}" type="datetimeFigureOut">
               <a:rPr lang="en-US" smtClean="0"/>
-              <a:t>11/1/22</a:t>
+              <a:t>11/6/22</a:t>
             </a:fld>
             <a:endParaRPr lang="en-US"/>
           </a:p>
@@ -2098,7 +2098,7 @@
           <a:p>
             <a:fld id="{5CB7705F-197A-364B-B966-A3D2D808BF85}" type="datetimeFigureOut">
               <a:rPr lang="en-US" smtClean="0"/>
-              <a:t>11/1/22</a:t>
+              <a:t>11/6/22</a:t>
             </a:fld>
             <a:endParaRPr lang="en-US"/>
           </a:p>
@@ -2355,7 +2355,7 @@
           <a:p>
             <a:fld id="{5CB7705F-197A-364B-B966-A3D2D808BF85}" type="datetimeFigureOut">
               <a:rPr lang="en-US" smtClean="0"/>
-              <a:t>11/1/22</a:t>
+              <a:t>11/6/22</a:t>
             </a:fld>
             <a:endParaRPr lang="en-US"/>
           </a:p>
@@ -2568,7 +2568,7 @@
           <a:p>
             <a:fld id="{5CB7705F-197A-364B-B966-A3D2D808BF85}" type="datetimeFigureOut">
               <a:rPr lang="en-US" smtClean="0"/>
-              <a:t>11/1/22</a:t>
+              <a:t>11/6/22</a:t>
             </a:fld>
             <a:endParaRPr lang="en-US"/>
           </a:p>
@@ -8757,189 +8757,6 @@
           </a:p>
         </p:txBody>
       </p:sp>
-      <p:sp>
-        <p:nvSpPr>
-          <p:cNvPr id="137" name="Oval 136">
-            <a:extLst>
-              <a:ext uri="{FF2B5EF4-FFF2-40B4-BE49-F238E27FC236}">
-                <a16:creationId xmlns:a16="http://schemas.microsoft.com/office/drawing/2014/main" id="{238F3B34-F556-9C4B-8294-289AA487016F}"/>
-              </a:ext>
-            </a:extLst>
-          </p:cNvPr>
-          <p:cNvSpPr>
-            <a:spLocks noChangeAspect="1"/>
-          </p:cNvSpPr>
-          <p:nvPr/>
-        </p:nvSpPr>
-        <p:spPr>
-          <a:xfrm>
-            <a:off x="1636547" y="1888361"/>
-            <a:ext cx="1280160" cy="1280160"/>
-          </a:xfrm>
-          <a:prstGeom prst="ellipse">
-            <a:avLst/>
-          </a:prstGeom>
-          <a:noFill/>
-          <a:ln w="25400">
-            <a:solidFill>
-              <a:schemeClr val="accent6">
-                <a:lumMod val="75000"/>
-              </a:schemeClr>
-            </a:solidFill>
-          </a:ln>
-        </p:spPr>
-        <p:style>
-          <a:lnRef idx="2">
-            <a:schemeClr val="accent1">
-              <a:shade val="50000"/>
-            </a:schemeClr>
-          </a:lnRef>
-          <a:fillRef idx="1">
-            <a:schemeClr val="accent1"/>
-          </a:fillRef>
-          <a:effectRef idx="0">
-            <a:schemeClr val="accent1"/>
-          </a:effectRef>
-          <a:fontRef idx="minor">
-            <a:schemeClr val="lt1"/>
-          </a:fontRef>
-        </p:style>
-        <p:txBody>
-          <a:bodyPr rtlCol="0" anchor="ctr"/>
-          <a:lstStyle/>
-          <a:p>
-            <a:pPr algn="ctr"/>
-            <a:endParaRPr lang="en-US">
-              <a:solidFill>
-                <a:schemeClr val="accent6">
-                  <a:lumMod val="75000"/>
-                </a:schemeClr>
-              </a:solidFill>
-            </a:endParaRPr>
-          </a:p>
-        </p:txBody>
-      </p:sp>
-      <p:sp>
-        <p:nvSpPr>
-          <p:cNvPr id="138" name="TextBox 137">
-            <a:extLst>
-              <a:ext uri="{FF2B5EF4-FFF2-40B4-BE49-F238E27FC236}">
-                <a16:creationId xmlns:a16="http://schemas.microsoft.com/office/drawing/2014/main" id="{50DD4538-381D-F04E-A5D1-6C651FA237F9}"/>
-              </a:ext>
-            </a:extLst>
-          </p:cNvPr>
-          <p:cNvSpPr txBox="1"/>
-          <p:nvPr/>
-        </p:nvSpPr>
-        <p:spPr>
-          <a:xfrm>
-            <a:off x="1597664" y="2245012"/>
-            <a:ext cx="1321904" cy="1753942"/>
-          </a:xfrm>
-          <a:prstGeom prst="rect">
-            <a:avLst/>
-          </a:prstGeom>
-          <a:noFill/>
-        </p:spPr>
-        <p:txBody>
-          <a:bodyPr wrap="square" rtlCol="0">
-            <a:spAutoFit/>
-          </a:bodyPr>
-          <a:lstStyle/>
-          <a:p>
-            <a:pPr algn="ctr"/>
-            <a:r>
-              <a:rPr lang="en-US" dirty="0">
-                <a:latin typeface="Helvetica" pitchFamily="2" charset="0"/>
-              </a:rPr>
-              <a:t>Deschutes River</a:t>
-            </a:r>
-          </a:p>
-        </p:txBody>
-      </p:sp>
-      <p:cxnSp>
-        <p:nvCxnSpPr>
-          <p:cNvPr id="139" name="Straight Arrow Connector 138">
-            <a:extLst>
-              <a:ext uri="{FF2B5EF4-FFF2-40B4-BE49-F238E27FC236}">
-                <a16:creationId xmlns:a16="http://schemas.microsoft.com/office/drawing/2014/main" id="{6583DC61-5336-F143-90B0-26798C67FD12}"/>
-              </a:ext>
-            </a:extLst>
-          </p:cNvPr>
-          <p:cNvCxnSpPr>
-            <a:cxnSpLocks/>
-          </p:cNvCxnSpPr>
-          <p:nvPr/>
-        </p:nvCxnSpPr>
-        <p:spPr>
-          <a:xfrm>
-            <a:off x="2621837" y="3092083"/>
-            <a:ext cx="266132" cy="679442"/>
-          </a:xfrm>
-          <a:prstGeom prst="straightConnector1">
-            <a:avLst/>
-          </a:prstGeom>
-          <a:ln>
-            <a:solidFill>
-              <a:schemeClr val="tx1"/>
-            </a:solidFill>
-            <a:headEnd type="triangle"/>
-            <a:tailEnd type="triangle"/>
-          </a:ln>
-        </p:spPr>
-        <p:style>
-          <a:lnRef idx="1">
-            <a:schemeClr val="accent1"/>
-          </a:lnRef>
-          <a:fillRef idx="0">
-            <a:schemeClr val="accent1"/>
-          </a:fillRef>
-          <a:effectRef idx="0">
-            <a:schemeClr val="accent1"/>
-          </a:effectRef>
-          <a:fontRef idx="minor">
-            <a:schemeClr val="tx1"/>
-          </a:fontRef>
-        </p:style>
-      </p:cxnSp>
-      <p:sp>
-        <p:nvSpPr>
-          <p:cNvPr id="140" name="TextBox 139">
-            <a:extLst>
-              <a:ext uri="{FF2B5EF4-FFF2-40B4-BE49-F238E27FC236}">
-                <a16:creationId xmlns:a16="http://schemas.microsoft.com/office/drawing/2014/main" id="{64B58F68-F6FD-484D-96B1-FCD24EAD88B7}"/>
-              </a:ext>
-            </a:extLst>
-          </p:cNvPr>
-          <p:cNvSpPr txBox="1"/>
-          <p:nvPr/>
-        </p:nvSpPr>
-        <p:spPr>
-          <a:xfrm>
-            <a:off x="1270172" y="1863595"/>
-            <a:ext cx="1989181" cy="523220"/>
-          </a:xfrm>
-          <a:prstGeom prst="rect">
-            <a:avLst/>
-          </a:prstGeom>
-          <a:noFill/>
-        </p:spPr>
-        <p:txBody>
-          <a:bodyPr wrap="square" rtlCol="0">
-            <a:spAutoFit/>
-          </a:bodyPr>
-          <a:lstStyle/>
-          <a:p>
-            <a:pPr algn="ctr"/>
-            <a:r>
-              <a:rPr lang="en-US" sz="2800" dirty="0">
-                <a:latin typeface="Helvetica" pitchFamily="2" charset="0"/>
-              </a:rPr>
-              <a:t>10</a:t>
-            </a:r>
-          </a:p>
-        </p:txBody>
-      </p:sp>
     </p:spTree>
     <p:extLst>
       <p:ext uri="{BB962C8B-B14F-4D97-AF65-F5344CB8AC3E}">
